--- a/create_cards/symbole einzeln.pptx
+++ b/create_cards/symbole einzeln.pptx
@@ -6,9 +6,15 @@
   </p:sldMasterIdLst>
   <p:sldIdLst>
     <p:sldId id="261" r:id="rId2"/>
-    <p:sldId id="262" r:id="rId3"/>
-    <p:sldId id="263" r:id="rId4"/>
-    <p:sldId id="264" r:id="rId5"/>
+    <p:sldId id="265" r:id="rId3"/>
+    <p:sldId id="262" r:id="rId4"/>
+    <p:sldId id="263" r:id="rId5"/>
+    <p:sldId id="266" r:id="rId6"/>
+    <p:sldId id="267" r:id="rId7"/>
+    <p:sldId id="268" r:id="rId8"/>
+    <p:sldId id="269" r:id="rId9"/>
+    <p:sldId id="270" r:id="rId10"/>
+    <p:sldId id="271" r:id="rId11"/>
   </p:sldIdLst>
   <p:sldSz cx="2947988" cy="4165600"/>
   <p:notesSz cx="6858000" cy="9144000"/>
@@ -246,7 +252,7 @@
           <a:p>
             <a:fld id="{CC6147E5-631A-4C4B-BFC3-6270EF262608}" type="datetimeFigureOut">
               <a:rPr lang="de-DE" smtClean="0"/>
-              <a:t>11.04.2023</a:t>
+              <a:t>12.04.2023</a:t>
             </a:fld>
             <a:endParaRPr lang="de-DE"/>
           </a:p>
@@ -416,7 +422,7 @@
           <a:p>
             <a:fld id="{CC6147E5-631A-4C4B-BFC3-6270EF262608}" type="datetimeFigureOut">
               <a:rPr lang="de-DE" smtClean="0"/>
-              <a:t>11.04.2023</a:t>
+              <a:t>12.04.2023</a:t>
             </a:fld>
             <a:endParaRPr lang="de-DE"/>
           </a:p>
@@ -596,7 +602,7 @@
           <a:p>
             <a:fld id="{CC6147E5-631A-4C4B-BFC3-6270EF262608}" type="datetimeFigureOut">
               <a:rPr lang="de-DE" smtClean="0"/>
-              <a:t>11.04.2023</a:t>
+              <a:t>12.04.2023</a:t>
             </a:fld>
             <a:endParaRPr lang="de-DE"/>
           </a:p>
@@ -1480,7 +1486,7 @@
           <a:p>
             <a:fld id="{CC6147E5-631A-4C4B-BFC3-6270EF262608}" type="datetimeFigureOut">
               <a:rPr lang="de-DE" smtClean="0"/>
-              <a:t>11.04.2023</a:t>
+              <a:t>12.04.2023</a:t>
             </a:fld>
             <a:endParaRPr lang="de-DE"/>
           </a:p>
@@ -1724,7 +1730,7 @@
           <a:p>
             <a:fld id="{CC6147E5-631A-4C4B-BFC3-6270EF262608}" type="datetimeFigureOut">
               <a:rPr lang="de-DE" smtClean="0"/>
-              <a:t>11.04.2023</a:t>
+              <a:t>12.04.2023</a:t>
             </a:fld>
             <a:endParaRPr lang="de-DE"/>
           </a:p>
@@ -1956,7 +1962,7 @@
           <a:p>
             <a:fld id="{CC6147E5-631A-4C4B-BFC3-6270EF262608}" type="datetimeFigureOut">
               <a:rPr lang="de-DE" smtClean="0"/>
-              <a:t>11.04.2023</a:t>
+              <a:t>12.04.2023</a:t>
             </a:fld>
             <a:endParaRPr lang="de-DE"/>
           </a:p>
@@ -2323,7 +2329,7 @@
           <a:p>
             <a:fld id="{CC6147E5-631A-4C4B-BFC3-6270EF262608}" type="datetimeFigureOut">
               <a:rPr lang="de-DE" smtClean="0"/>
-              <a:t>11.04.2023</a:t>
+              <a:t>12.04.2023</a:t>
             </a:fld>
             <a:endParaRPr lang="de-DE"/>
           </a:p>
@@ -2441,7 +2447,7 @@
           <a:p>
             <a:fld id="{CC6147E5-631A-4C4B-BFC3-6270EF262608}" type="datetimeFigureOut">
               <a:rPr lang="de-DE" smtClean="0"/>
-              <a:t>11.04.2023</a:t>
+              <a:t>12.04.2023</a:t>
             </a:fld>
             <a:endParaRPr lang="de-DE"/>
           </a:p>
@@ -2536,7 +2542,7 @@
           <a:p>
             <a:fld id="{CC6147E5-631A-4C4B-BFC3-6270EF262608}" type="datetimeFigureOut">
               <a:rPr lang="de-DE" smtClean="0"/>
-              <a:t>11.04.2023</a:t>
+              <a:t>12.04.2023</a:t>
             </a:fld>
             <a:endParaRPr lang="de-DE"/>
           </a:p>
@@ -2813,7 +2819,7 @@
           <a:p>
             <a:fld id="{CC6147E5-631A-4C4B-BFC3-6270EF262608}" type="datetimeFigureOut">
               <a:rPr lang="de-DE" smtClean="0"/>
-              <a:t>11.04.2023</a:t>
+              <a:t>12.04.2023</a:t>
             </a:fld>
             <a:endParaRPr lang="de-DE"/>
           </a:p>
@@ -3070,7 +3076,7 @@
           <a:p>
             <a:fld id="{CC6147E5-631A-4C4B-BFC3-6270EF262608}" type="datetimeFigureOut">
               <a:rPr lang="de-DE" smtClean="0"/>
-              <a:t>11.04.2023</a:t>
+              <a:t>12.04.2023</a:t>
             </a:fld>
             <a:endParaRPr lang="de-DE"/>
           </a:p>
@@ -3283,7 +3289,7 @@
           <a:p>
             <a:fld id="{CC6147E5-631A-4C4B-BFC3-6270EF262608}" type="datetimeFigureOut">
               <a:rPr lang="de-DE" smtClean="0"/>
-              <a:t>11.04.2023</a:t>
+              <a:t>12.04.2023</a:t>
             </a:fld>
             <a:endParaRPr lang="de-DE"/>
           </a:p>
@@ -3745,7 +3751,163 @@
 </p:sld>
 </file>
 
+<file path=ppt/slides/slide10.xml><?xml version="1.0" encoding="utf-8"?>
+<p:sld xmlns:a="http://schemas.openxmlformats.org/drawingml/2006/main" xmlns:r="http://schemas.openxmlformats.org/officeDocument/2006/relationships" xmlns:p="http://schemas.openxmlformats.org/presentationml/2006/main">
+  <p:cSld>
+    <p:bg>
+      <p:bgPr>
+        <a:solidFill>
+          <a:schemeClr val="tx1">
+            <a:lumMod val="75000"/>
+            <a:lumOff val="25000"/>
+          </a:schemeClr>
+        </a:solidFill>
+        <a:effectLst/>
+      </p:bgPr>
+    </p:bg>
+    <p:spTree>
+      <p:nvGrpSpPr>
+        <p:cNvPr id="1" name=""/>
+        <p:cNvGrpSpPr/>
+        <p:nvPr/>
+      </p:nvGrpSpPr>
+      <p:grpSpPr>
+        <a:xfrm>
+          <a:off x="0" y="0"/>
+          <a:ext cx="0" cy="0"/>
+          <a:chOff x="0" y="0"/>
+          <a:chExt cx="0" cy="0"/>
+        </a:xfrm>
+      </p:grpSpPr>
+      <p:pic>
+        <p:nvPicPr>
+          <p:cNvPr id="19" name="Grafik 18">
+            <a:extLst>
+              <a:ext uri="{FF2B5EF4-FFF2-40B4-BE49-F238E27FC236}">
+                <a16:creationId xmlns:a16="http://schemas.microsoft.com/office/drawing/2014/main" id="{9BBAA215-34B8-A959-2035-3B396D6B013D}"/>
+              </a:ext>
+            </a:extLst>
+          </p:cNvPr>
+          <p:cNvPicPr>
+            <a:picLocks noChangeAspect="1"/>
+          </p:cNvPicPr>
+          <p:nvPr/>
+        </p:nvPicPr>
+        <p:blipFill>
+          <a:blip r:embed="rId2"/>
+          <a:stretch>
+            <a:fillRect/>
+          </a:stretch>
+        </p:blipFill>
+        <p:spPr>
+          <a:xfrm>
+            <a:off x="49342" y="0"/>
+            <a:ext cx="2849303" cy="4165600"/>
+          </a:xfrm>
+          <a:prstGeom prst="rect">
+            <a:avLst/>
+          </a:prstGeom>
+          <a:effectLst>
+            <a:innerShdw blurRad="635000">
+              <a:prstClr val="black">
+                <a:alpha val="50000"/>
+              </a:prstClr>
+            </a:innerShdw>
+          </a:effectLst>
+        </p:spPr>
+      </p:pic>
+    </p:spTree>
+    <p:extLst>
+      <p:ext uri="{BB962C8B-B14F-4D97-AF65-F5344CB8AC3E}">
+        <p14:creationId xmlns:p14="http://schemas.microsoft.com/office/powerpoint/2010/main" val="3524451005"/>
+      </p:ext>
+    </p:extLst>
+  </p:cSld>
+  <p:clrMapOvr>
+    <a:masterClrMapping/>
+  </p:clrMapOvr>
+</p:sld>
+</file>
+
 <file path=ppt/slides/slide2.xml><?xml version="1.0" encoding="utf-8"?>
+<p:sld xmlns:a="http://schemas.openxmlformats.org/drawingml/2006/main" xmlns:r="http://schemas.openxmlformats.org/officeDocument/2006/relationships" xmlns:p="http://schemas.openxmlformats.org/presentationml/2006/main">
+  <p:cSld>
+    <p:spTree>
+      <p:nvGrpSpPr>
+        <p:cNvPr id="1" name=""/>
+        <p:cNvGrpSpPr/>
+        <p:nvPr/>
+      </p:nvGrpSpPr>
+      <p:grpSpPr>
+        <a:xfrm>
+          <a:off x="0" y="0"/>
+          <a:ext cx="0" cy="0"/>
+          <a:chOff x="0" y="0"/>
+          <a:chExt cx="0" cy="0"/>
+        </a:xfrm>
+      </p:grpSpPr>
+      <p:pic>
+        <p:nvPicPr>
+          <p:cNvPr id="19" name="Grafik 18">
+            <a:extLst>
+              <a:ext uri="{FF2B5EF4-FFF2-40B4-BE49-F238E27FC236}">
+                <a16:creationId xmlns:a16="http://schemas.microsoft.com/office/drawing/2014/main" id="{D31E55BB-66D2-EC22-8C0B-437C17DC4D00}"/>
+              </a:ext>
+            </a:extLst>
+          </p:cNvPr>
+          <p:cNvPicPr>
+            <a:picLocks noChangeAspect="1"/>
+          </p:cNvPicPr>
+          <p:nvPr/>
+        </p:nvPicPr>
+        <p:blipFill>
+          <a:blip r:embed="rId2">
+            <a:extLst>
+              <a:ext uri="{28A0092B-C50C-407E-A947-70E740481C1C}">
+                <a14:useLocalDpi xmlns:a14="http://schemas.microsoft.com/office/drawing/2010/main" val="0"/>
+              </a:ext>
+            </a:extLst>
+          </a:blip>
+          <a:stretch>
+            <a:fillRect/>
+          </a:stretch>
+        </p:blipFill>
+        <p:spPr>
+          <a:xfrm>
+            <a:off x="0" y="127789"/>
+            <a:ext cx="2947988" cy="3910022"/>
+          </a:xfrm>
+          <a:prstGeom prst="rect">
+            <a:avLst/>
+          </a:prstGeom>
+          <a:ln>
+            <a:solidFill>
+              <a:schemeClr val="tx1"/>
+            </a:solidFill>
+          </a:ln>
+          <a:effectLst>
+            <a:innerShdw blurRad="635000">
+              <a:prstClr val="black">
+                <a:alpha val="30000"/>
+              </a:prstClr>
+            </a:innerShdw>
+          </a:effectLst>
+        </p:spPr>
+      </p:pic>
+    </p:spTree>
+    <p:extLst>
+      <p:ext uri="{BB962C8B-B14F-4D97-AF65-F5344CB8AC3E}">
+        <p14:creationId xmlns:p14="http://schemas.microsoft.com/office/powerpoint/2010/main" val="948674952"/>
+      </p:ext>
+    </p:extLst>
+  </p:cSld>
+  <p:clrMapOvr>
+    <a:masterClrMapping/>
+  </p:clrMapOvr>
+</p:sld>
+</file>
+
+<file path=ppt/slides/slide3.xml><?xml version="1.0" encoding="utf-8"?>
 <p:sld xmlns:a="http://schemas.openxmlformats.org/drawingml/2006/main" xmlns:r="http://schemas.openxmlformats.org/officeDocument/2006/relationships" xmlns:p="http://schemas.openxmlformats.org/presentationml/2006/main">
   <p:cSld>
     <p:spTree>
@@ -3823,7 +3985,7 @@
 </p:sld>
 </file>
 
-<file path=ppt/slides/slide3.xml><?xml version="1.0" encoding="utf-8"?>
+<file path=ppt/slides/slide4.xml><?xml version="1.0" encoding="utf-8"?>
 <p:sld xmlns:a="http://schemas.openxmlformats.org/drawingml/2006/main" xmlns:r="http://schemas.openxmlformats.org/officeDocument/2006/relationships" xmlns:p="http://schemas.openxmlformats.org/presentationml/2006/main">
   <p:cSld>
     <p:spTree>
@@ -3901,13 +4063,160 @@
 </p:sld>
 </file>
 
-<file path=ppt/slides/slide4.xml><?xml version="1.0" encoding="utf-8"?>
+<file path=ppt/slides/slide5.xml><?xml version="1.0" encoding="utf-8"?>
+<p:sld xmlns:a="http://schemas.openxmlformats.org/drawingml/2006/main" xmlns:r="http://schemas.openxmlformats.org/officeDocument/2006/relationships" xmlns:p="http://schemas.openxmlformats.org/presentationml/2006/main">
+  <p:cSld>
+    <p:spTree>
+      <p:nvGrpSpPr>
+        <p:cNvPr id="1" name=""/>
+        <p:cNvGrpSpPr/>
+        <p:nvPr/>
+      </p:nvGrpSpPr>
+      <p:grpSpPr>
+        <a:xfrm>
+          <a:off x="0" y="0"/>
+          <a:ext cx="0" cy="0"/>
+          <a:chOff x="0" y="0"/>
+          <a:chExt cx="0" cy="0"/>
+        </a:xfrm>
+      </p:grpSpPr>
+      <p:pic>
+        <p:nvPicPr>
+          <p:cNvPr id="19" name="Grafik 18">
+            <a:extLst>
+              <a:ext uri="{FF2B5EF4-FFF2-40B4-BE49-F238E27FC236}">
+                <a16:creationId xmlns:a16="http://schemas.microsoft.com/office/drawing/2014/main" id="{565A29F2-C710-DB04-0D8C-CDE5DF590546}"/>
+              </a:ext>
+            </a:extLst>
+          </p:cNvPr>
+          <p:cNvPicPr>
+            <a:picLocks noChangeAspect="1"/>
+          </p:cNvPicPr>
+          <p:nvPr/>
+        </p:nvPicPr>
+        <p:blipFill>
+          <a:blip r:embed="rId2">
+            <a:extLst>
+              <a:ext uri="{28A0092B-C50C-407E-A947-70E740481C1C}">
+                <a14:useLocalDpi xmlns:a14="http://schemas.microsoft.com/office/drawing/2010/main" val="0"/>
+              </a:ext>
+            </a:extLst>
+          </a:blip>
+          <a:stretch>
+            <a:fillRect/>
+          </a:stretch>
+        </p:blipFill>
+        <p:spPr>
+          <a:xfrm>
+            <a:off x="34756" y="0"/>
+            <a:ext cx="2878476" cy="4165600"/>
+          </a:xfrm>
+          <a:prstGeom prst="rect">
+            <a:avLst/>
+          </a:prstGeom>
+        </p:spPr>
+      </p:pic>
+    </p:spTree>
+    <p:extLst>
+      <p:ext uri="{BB962C8B-B14F-4D97-AF65-F5344CB8AC3E}">
+        <p14:creationId xmlns:p14="http://schemas.microsoft.com/office/powerpoint/2010/main" val="1791255609"/>
+      </p:ext>
+    </p:extLst>
+  </p:cSld>
+  <p:clrMapOvr>
+    <a:masterClrMapping/>
+  </p:clrMapOvr>
+</p:sld>
+</file>
+
+<file path=ppt/slides/slide6.xml><?xml version="1.0" encoding="utf-8"?>
+<p:sld xmlns:a="http://schemas.openxmlformats.org/drawingml/2006/main" xmlns:r="http://schemas.openxmlformats.org/officeDocument/2006/relationships" xmlns:p="http://schemas.openxmlformats.org/presentationml/2006/main">
+  <p:cSld>
+    <p:spTree>
+      <p:nvGrpSpPr>
+        <p:cNvPr id="1" name=""/>
+        <p:cNvGrpSpPr/>
+        <p:nvPr/>
+      </p:nvGrpSpPr>
+      <p:grpSpPr>
+        <a:xfrm>
+          <a:off x="0" y="0"/>
+          <a:ext cx="0" cy="0"/>
+          <a:chOff x="0" y="0"/>
+          <a:chExt cx="0" cy="0"/>
+        </a:xfrm>
+      </p:grpSpPr>
+      <p:pic>
+        <p:nvPicPr>
+          <p:cNvPr id="19" name="Grafik 18">
+            <a:extLst>
+              <a:ext uri="{FF2B5EF4-FFF2-40B4-BE49-F238E27FC236}">
+                <a16:creationId xmlns:a16="http://schemas.microsoft.com/office/drawing/2014/main" id="{A943D0CE-207C-6D7D-26E0-0209CFCA07C7}"/>
+              </a:ext>
+            </a:extLst>
+          </p:cNvPr>
+          <p:cNvPicPr>
+            <a:picLocks noChangeAspect="1"/>
+          </p:cNvPicPr>
+          <p:nvPr/>
+        </p:nvPicPr>
+        <p:blipFill>
+          <a:blip r:embed="rId2">
+            <a:extLst>
+              <a:ext uri="{28A0092B-C50C-407E-A947-70E740481C1C}">
+                <a14:useLocalDpi xmlns:a14="http://schemas.microsoft.com/office/drawing/2010/main" val="0"/>
+              </a:ext>
+            </a:extLst>
+          </a:blip>
+          <a:stretch>
+            <a:fillRect/>
+          </a:stretch>
+        </p:blipFill>
+        <p:spPr>
+          <a:xfrm>
+            <a:off x="0" y="175117"/>
+            <a:ext cx="2947988" cy="3815366"/>
+          </a:xfrm>
+          <a:prstGeom prst="rect">
+            <a:avLst/>
+          </a:prstGeom>
+          <a:ln>
+            <a:solidFill>
+              <a:schemeClr val="tx1"/>
+            </a:solidFill>
+          </a:ln>
+          <a:effectLst>
+            <a:innerShdw blurRad="635000">
+              <a:prstClr val="black">
+                <a:alpha val="50000"/>
+              </a:prstClr>
+            </a:innerShdw>
+          </a:effectLst>
+        </p:spPr>
+      </p:pic>
+    </p:spTree>
+    <p:extLst>
+      <p:ext uri="{BB962C8B-B14F-4D97-AF65-F5344CB8AC3E}">
+        <p14:creationId xmlns:p14="http://schemas.microsoft.com/office/powerpoint/2010/main" val="893342421"/>
+      </p:ext>
+    </p:extLst>
+  </p:cSld>
+  <p:clrMapOvr>
+    <a:masterClrMapping/>
+  </p:clrMapOvr>
+</p:sld>
+</file>
+
+<file path=ppt/slides/slide7.xml><?xml version="1.0" encoding="utf-8"?>
 <p:sld xmlns:a="http://schemas.openxmlformats.org/drawingml/2006/main" xmlns:r="http://schemas.openxmlformats.org/officeDocument/2006/relationships" xmlns:p="http://schemas.openxmlformats.org/presentationml/2006/main">
   <p:cSld>
     <p:bg>
       <p:bgPr>
         <a:solidFill>
-          <a:schemeClr val="tx1"/>
+          <a:schemeClr val="tx1">
+            <a:lumMod val="75000"/>
+            <a:lumOff val="25000"/>
+          </a:schemeClr>
         </a:solidFill>
         <a:effectLst/>
       </p:bgPr>
@@ -3931,7 +4240,7 @@
           <p:cNvPr id="21" name="Grafik 20">
             <a:extLst>
               <a:ext uri="{FF2B5EF4-FFF2-40B4-BE49-F238E27FC236}">
-                <a16:creationId xmlns:a16="http://schemas.microsoft.com/office/drawing/2014/main" id="{ACF7C0F3-7BDD-57A8-DB80-5BC70DC943AE}"/>
+                <a16:creationId xmlns:a16="http://schemas.microsoft.com/office/drawing/2014/main" id="{8A89C47C-7F97-5C22-2394-46A86A23EFF0}"/>
               </a:ext>
             </a:extLst>
           </p:cNvPr>
@@ -3954,8 +4263,8 @@
         </p:blipFill>
         <p:spPr>
           <a:xfrm>
-            <a:off x="0" y="491"/>
-            <a:ext cx="2947988" cy="4164618"/>
+            <a:off x="0" y="176250"/>
+            <a:ext cx="2947988" cy="3813099"/>
           </a:xfrm>
           <a:prstGeom prst="rect">
             <a:avLst/>
@@ -3972,7 +4281,164 @@
     </p:spTree>
     <p:extLst>
       <p:ext uri="{BB962C8B-B14F-4D97-AF65-F5344CB8AC3E}">
-        <p14:creationId xmlns:p14="http://schemas.microsoft.com/office/powerpoint/2010/main" val="299656220"/>
+        <p14:creationId xmlns:p14="http://schemas.microsoft.com/office/powerpoint/2010/main" val="3446790958"/>
+      </p:ext>
+    </p:extLst>
+  </p:cSld>
+  <p:clrMapOvr>
+    <a:masterClrMapping/>
+  </p:clrMapOvr>
+</p:sld>
+</file>
+
+<file path=ppt/slides/slide8.xml><?xml version="1.0" encoding="utf-8"?>
+<p:sld xmlns:a="http://schemas.openxmlformats.org/drawingml/2006/main" xmlns:r="http://schemas.openxmlformats.org/officeDocument/2006/relationships" xmlns:p="http://schemas.openxmlformats.org/presentationml/2006/main">
+  <p:cSld>
+    <p:spTree>
+      <p:nvGrpSpPr>
+        <p:cNvPr id="1" name=""/>
+        <p:cNvGrpSpPr/>
+        <p:nvPr/>
+      </p:nvGrpSpPr>
+      <p:grpSpPr>
+        <a:xfrm>
+          <a:off x="0" y="0"/>
+          <a:ext cx="0" cy="0"/>
+          <a:chOff x="0" y="0"/>
+          <a:chExt cx="0" cy="0"/>
+        </a:xfrm>
+      </p:grpSpPr>
+      <p:pic>
+        <p:nvPicPr>
+          <p:cNvPr id="19" name="Grafik 18">
+            <a:extLst>
+              <a:ext uri="{FF2B5EF4-FFF2-40B4-BE49-F238E27FC236}">
+                <a16:creationId xmlns:a16="http://schemas.microsoft.com/office/drawing/2014/main" id="{1C15DA4A-301D-28D1-097F-56AF0E276C94}"/>
+              </a:ext>
+            </a:extLst>
+          </p:cNvPr>
+          <p:cNvPicPr>
+            <a:picLocks noChangeAspect="1"/>
+          </p:cNvPicPr>
+          <p:nvPr/>
+        </p:nvPicPr>
+        <p:blipFill>
+          <a:blip r:embed="rId2">
+            <a:extLst>
+              <a:ext uri="{28A0092B-C50C-407E-A947-70E740481C1C}">
+                <a14:useLocalDpi xmlns:a14="http://schemas.microsoft.com/office/drawing/2010/main" val="0"/>
+              </a:ext>
+            </a:extLst>
+          </a:blip>
+          <a:stretch>
+            <a:fillRect/>
+          </a:stretch>
+        </p:blipFill>
+        <p:spPr>
+          <a:xfrm>
+            <a:off x="0" y="175117"/>
+            <a:ext cx="2947988" cy="3815366"/>
+          </a:xfrm>
+          <a:prstGeom prst="rect">
+            <a:avLst/>
+          </a:prstGeom>
+          <a:effectLst>
+            <a:innerShdw blurRad="635000">
+              <a:prstClr val="black">
+                <a:alpha val="50000"/>
+              </a:prstClr>
+            </a:innerShdw>
+          </a:effectLst>
+        </p:spPr>
+      </p:pic>
+    </p:spTree>
+    <p:extLst>
+      <p:ext uri="{BB962C8B-B14F-4D97-AF65-F5344CB8AC3E}">
+        <p14:creationId xmlns:p14="http://schemas.microsoft.com/office/powerpoint/2010/main" val="3963855497"/>
+      </p:ext>
+    </p:extLst>
+  </p:cSld>
+  <p:clrMapOvr>
+    <a:masterClrMapping/>
+  </p:clrMapOvr>
+</p:sld>
+</file>
+
+<file path=ppt/slides/slide9.xml><?xml version="1.0" encoding="utf-8"?>
+<p:sld xmlns:a="http://schemas.openxmlformats.org/drawingml/2006/main" xmlns:r="http://schemas.openxmlformats.org/officeDocument/2006/relationships" xmlns:p="http://schemas.openxmlformats.org/presentationml/2006/main">
+  <p:cSld>
+    <p:bg>
+      <p:bgPr>
+        <a:solidFill>
+          <a:schemeClr val="tx1">
+            <a:lumMod val="75000"/>
+            <a:lumOff val="25000"/>
+          </a:schemeClr>
+        </a:solidFill>
+        <a:effectLst/>
+      </p:bgPr>
+    </p:bg>
+    <p:spTree>
+      <p:nvGrpSpPr>
+        <p:cNvPr id="1" name=""/>
+        <p:cNvGrpSpPr/>
+        <p:nvPr/>
+      </p:nvGrpSpPr>
+      <p:grpSpPr>
+        <a:xfrm>
+          <a:off x="0" y="0"/>
+          <a:ext cx="0" cy="0"/>
+          <a:chOff x="0" y="0"/>
+          <a:chExt cx="0" cy="0"/>
+        </a:xfrm>
+      </p:grpSpPr>
+      <p:pic>
+        <p:nvPicPr>
+          <p:cNvPr id="23" name="Grafik 22">
+            <a:extLst>
+              <a:ext uri="{FF2B5EF4-FFF2-40B4-BE49-F238E27FC236}">
+                <a16:creationId xmlns:a16="http://schemas.microsoft.com/office/drawing/2014/main" id="{77A95F7E-EE2B-2485-4258-6FBA8A08F5C9}"/>
+              </a:ext>
+            </a:extLst>
+          </p:cNvPr>
+          <p:cNvPicPr>
+            <a:picLocks noChangeAspect="1"/>
+          </p:cNvPicPr>
+          <p:nvPr/>
+        </p:nvPicPr>
+        <p:blipFill>
+          <a:blip r:embed="rId2">
+            <a:extLst>
+              <a:ext uri="{28A0092B-C50C-407E-A947-70E740481C1C}">
+                <a14:useLocalDpi xmlns:a14="http://schemas.microsoft.com/office/drawing/2010/main" val="0"/>
+              </a:ext>
+            </a:extLst>
+          </a:blip>
+          <a:stretch>
+            <a:fillRect/>
+          </a:stretch>
+        </p:blipFill>
+        <p:spPr>
+          <a:xfrm>
+            <a:off x="0" y="691460"/>
+            <a:ext cx="2947988" cy="2782680"/>
+          </a:xfrm>
+          <a:prstGeom prst="rect">
+            <a:avLst/>
+          </a:prstGeom>
+          <a:effectLst>
+            <a:innerShdw blurRad="635000">
+              <a:prstClr val="black">
+                <a:alpha val="50000"/>
+              </a:prstClr>
+            </a:innerShdw>
+          </a:effectLst>
+        </p:spPr>
+      </p:pic>
+    </p:spTree>
+    <p:extLst>
+      <p:ext uri="{BB962C8B-B14F-4D97-AF65-F5344CB8AC3E}">
+        <p14:creationId xmlns:p14="http://schemas.microsoft.com/office/powerpoint/2010/main" val="3198057376"/>
       </p:ext>
     </p:extLst>
   </p:cSld>
